--- a/how_bitcoin_works/How_z02_bak.pptx
+++ b/how_bitcoin_works/How_z02_bak.pptx
@@ -5,10 +5,11 @@
     <p:sldMasterId id="2147483648" r:id="rId1"/>
   </p:sldMasterIdLst>
   <p:notesMasterIdLst>
-    <p:notesMasterId r:id="rId3"/>
+    <p:notesMasterId r:id="rId4"/>
   </p:notesMasterIdLst>
   <p:sldIdLst>
     <p:sldId id="287" r:id="rId2"/>
+    <p:sldId id="288" r:id="rId3"/>
   </p:sldIdLst>
   <p:sldSz cx="12192000" cy="6858000"/>
   <p:notesSz cx="6858000" cy="9144000"/>
@@ -201,7 +202,7 @@
           <a:p>
             <a:fld id="{997B8459-DB34-44B7-8088-D81CF29DBC4F}" type="datetimeFigureOut">
               <a:rPr lang="en-US" smtClean="0"/>
-              <a:t>6/5/2017</a:t>
+              <a:t>6/6/2017</a:t>
             </a:fld>
             <a:endParaRPr lang="en-US"/>
           </a:p>
@@ -681,7 +682,7 @@
           <a:p>
             <a:fld id="{1A0CC6C9-F88A-4A1A-8FB0-07A130189CC8}" type="datetime1">
               <a:rPr lang="en-US" smtClean="0"/>
-              <a:t>6/5/2017</a:t>
+              <a:t>6/6/2017</a:t>
             </a:fld>
             <a:endParaRPr lang="en-US"/>
           </a:p>
@@ -849,7 +850,7 @@
           <a:p>
             <a:fld id="{662CE6F3-128A-4A7E-948E-31AC50BA5F60}" type="datetime1">
               <a:rPr lang="en-US" smtClean="0"/>
-              <a:t>6/5/2017</a:t>
+              <a:t>6/6/2017</a:t>
             </a:fld>
             <a:endParaRPr lang="en-US"/>
           </a:p>
@@ -1027,7 +1028,7 @@
           <a:p>
             <a:fld id="{D8EF803D-58A6-4B2B-AD8D-C3D6CC66E6EB}" type="datetime1">
               <a:rPr lang="en-US" smtClean="0"/>
-              <a:t>6/5/2017</a:t>
+              <a:t>6/6/2017</a:t>
             </a:fld>
             <a:endParaRPr lang="en-US"/>
           </a:p>
@@ -1213,7 +1214,7 @@
           <a:p>
             <a:fld id="{519BD8FA-81DB-4BAD-B3C3-CA109C80A853}" type="datetime1">
               <a:rPr lang="en-US" smtClean="0"/>
-              <a:t>6/5/2017</a:t>
+              <a:t>6/6/2017</a:t>
             </a:fld>
             <a:endParaRPr lang="en-US"/>
           </a:p>
@@ -1458,7 +1459,7 @@
           <a:p>
             <a:fld id="{3F6C7022-96DB-48F2-B3FB-BE06C53B7BA1}" type="datetime1">
               <a:rPr lang="en-US" smtClean="0"/>
-              <a:t>6/5/2017</a:t>
+              <a:t>6/6/2017</a:t>
             </a:fld>
             <a:endParaRPr lang="en-US"/>
           </a:p>
@@ -1700,7 +1701,7 @@
           <a:p>
             <a:fld id="{CD2E27BA-B0B3-403B-BCD6-8B8E73844757}" type="datetime1">
               <a:rPr lang="en-US" smtClean="0"/>
-              <a:t>6/5/2017</a:t>
+              <a:t>6/6/2017</a:t>
             </a:fld>
             <a:endParaRPr lang="en-US"/>
           </a:p>
@@ -2064,7 +2065,7 @@
           <a:p>
             <a:fld id="{AB2F35F9-5498-4A6F-8B26-24AF253CCFB1}" type="datetime1">
               <a:rPr lang="en-US" smtClean="0"/>
-              <a:t>6/5/2017</a:t>
+              <a:t>6/6/2017</a:t>
             </a:fld>
             <a:endParaRPr lang="en-US"/>
           </a:p>
@@ -2181,7 +2182,7 @@
           <a:p>
             <a:fld id="{7CF3DE6C-3CCC-462F-8C19-C9BE5AF82050}" type="datetime1">
               <a:rPr lang="en-US" smtClean="0"/>
-              <a:t>6/5/2017</a:t>
+              <a:t>6/6/2017</a:t>
             </a:fld>
             <a:endParaRPr lang="en-US"/>
           </a:p>
@@ -2276,7 +2277,7 @@
           <a:p>
             <a:fld id="{CFF9B72E-B071-4894-9AE8-77A99437A194}" type="datetime1">
               <a:rPr lang="en-US" smtClean="0"/>
-              <a:t>6/5/2017</a:t>
+              <a:t>6/6/2017</a:t>
             </a:fld>
             <a:endParaRPr lang="en-US"/>
           </a:p>
@@ -2551,7 +2552,7 @@
           <a:p>
             <a:fld id="{C8FC85DF-04F6-4067-9D57-5BD634B76237}" type="datetime1">
               <a:rPr lang="en-US" smtClean="0"/>
-              <a:t>6/5/2017</a:t>
+              <a:t>6/6/2017</a:t>
             </a:fld>
             <a:endParaRPr lang="en-US"/>
           </a:p>
@@ -2803,7 +2804,7 @@
           <a:p>
             <a:fld id="{F482CF38-5737-4019-A5EB-32F20C60B120}" type="datetime1">
               <a:rPr lang="en-US" smtClean="0"/>
-              <a:t>6/5/2017</a:t>
+              <a:t>6/6/2017</a:t>
             </a:fld>
             <a:endParaRPr lang="en-US"/>
           </a:p>
@@ -3014,7 +3015,7 @@
           <a:p>
             <a:fld id="{71B3BB5B-EB4F-4885-9330-962C885E153D}" type="datetime1">
               <a:rPr lang="en-US" smtClean="0"/>
-              <a:t>6/5/2017</a:t>
+              <a:t>6/6/2017</a:t>
             </a:fld>
             <a:endParaRPr lang="en-US"/>
           </a:p>
@@ -3943,6 +3944,257 @@
     <p:extLst>
       <p:ext uri="{BB962C8B-B14F-4D97-AF65-F5344CB8AC3E}">
         <p14:creationId xmlns:p14="http://schemas.microsoft.com/office/powerpoint/2010/main" val="1060781644"/>
+      </p:ext>
+    </p:extLst>
+  </p:cSld>
+  <p:clrMapOvr>
+    <a:masterClrMapping/>
+  </p:clrMapOvr>
+</p:sld>
+</file>
+
+<file path=ppt/slides/slide2.xml><?xml version="1.0" encoding="utf-8"?>
+<p:sld xmlns:a="http://schemas.openxmlformats.org/drawingml/2006/main" xmlns:r="http://schemas.openxmlformats.org/officeDocument/2006/relationships" xmlns:p="http://schemas.openxmlformats.org/presentationml/2006/main">
+  <p:cSld>
+    <p:spTree>
+      <p:nvGrpSpPr>
+        <p:cNvPr id="1" name=""/>
+        <p:cNvGrpSpPr/>
+        <p:nvPr/>
+      </p:nvGrpSpPr>
+      <p:grpSpPr>
+        <a:xfrm>
+          <a:off x="0" y="0"/>
+          <a:ext cx="0" cy="0"/>
+          <a:chOff x="0" y="0"/>
+          <a:chExt cx="0" cy="0"/>
+        </a:xfrm>
+      </p:grpSpPr>
+      <p:sp>
+        <p:nvSpPr>
+          <p:cNvPr id="2" name="Title 1"/>
+          <p:cNvSpPr>
+            <a:spLocks noGrp="1"/>
+          </p:cNvSpPr>
+          <p:nvPr>
+            <p:ph type="title"/>
+          </p:nvPr>
+        </p:nvSpPr>
+        <p:spPr/>
+        <p:txBody>
+          <a:bodyPr>
+            <a:normAutofit fontScale="90000"/>
+          </a:bodyPr>
+          <a:lstStyle/>
+          <a:p>
+            <a:r>
+              <a:rPr lang="en-US" dirty="0"/>
+              <a:t>Complex Transactions: Mathematical Puzzles</a:t>
+            </a:r>
+          </a:p>
+        </p:txBody>
+      </p:sp>
+      <p:sp>
+        <p:nvSpPr>
+          <p:cNvPr id="3" name="Content Placeholder 2"/>
+          <p:cNvSpPr>
+            <a:spLocks noGrp="1"/>
+          </p:cNvSpPr>
+          <p:nvPr>
+            <p:ph idx="1"/>
+          </p:nvPr>
+        </p:nvSpPr>
+        <p:spPr>
+          <a:xfrm>
+            <a:off x="245806" y="1338522"/>
+            <a:ext cx="8139658" cy="2506114"/>
+          </a:xfrm>
+        </p:spPr>
+        <p:txBody>
+          <a:bodyPr>
+            <a:normAutofit/>
+          </a:bodyPr>
+          <a:lstStyle/>
+          <a:p>
+            <a:r>
+              <a:rPr lang="en-US" dirty="0"/>
+              <a:t>Transactions: Mathematical Puzzles with locker</a:t>
+            </a:r>
+          </a:p>
+          <a:p>
+            <a:pPr lvl="1"/>
+            <a:r>
+              <a:rPr lang="en-US" dirty="0"/>
+              <a:t>Defined with special Scripting language</a:t>
+            </a:r>
+          </a:p>
+          <a:p>
+            <a:pPr lvl="1"/>
+            <a:r>
+              <a:rPr lang="en-US" dirty="0"/>
+              <a:t>Only owner can solve it</a:t>
+            </a:r>
+          </a:p>
+          <a:p>
+            <a:pPr lvl="1"/>
+            <a:r>
+              <a:rPr lang="en-US" dirty="0"/>
+              <a:t>Support more complex conditions</a:t>
+            </a:r>
+          </a:p>
+        </p:txBody>
+      </p:sp>
+      <p:pic>
+        <p:nvPicPr>
+          <p:cNvPr id="4" name="Picture 3"/>
+          <p:cNvPicPr>
+            <a:picLocks noChangeAspect="1"/>
+          </p:cNvPicPr>
+          <p:nvPr/>
+        </p:nvPicPr>
+        <p:blipFill>
+          <a:blip r:embed="rId2"/>
+          <a:stretch>
+            <a:fillRect/>
+          </a:stretch>
+        </p:blipFill>
+        <p:spPr>
+          <a:xfrm>
+            <a:off x="95879" y="3106877"/>
+            <a:ext cx="6244936" cy="1755269"/>
+          </a:xfrm>
+          <a:prstGeom prst="rect">
+            <a:avLst/>
+          </a:prstGeom>
+        </p:spPr>
+      </p:pic>
+      <p:pic>
+        <p:nvPicPr>
+          <p:cNvPr id="5" name="Picture 4"/>
+          <p:cNvPicPr>
+            <a:picLocks noChangeAspect="1"/>
+          </p:cNvPicPr>
+          <p:nvPr/>
+        </p:nvPicPr>
+        <p:blipFill>
+          <a:blip r:embed="rId3"/>
+          <a:stretch>
+            <a:fillRect/>
+          </a:stretch>
+        </p:blipFill>
+        <p:spPr>
+          <a:xfrm>
+            <a:off x="6339805" y="1828800"/>
+            <a:ext cx="3560261" cy="2846567"/>
+          </a:xfrm>
+          <a:prstGeom prst="rect">
+            <a:avLst/>
+          </a:prstGeom>
+        </p:spPr>
+      </p:pic>
+      <p:pic>
+        <p:nvPicPr>
+          <p:cNvPr id="6" name="Picture 5"/>
+          <p:cNvPicPr>
+            <a:picLocks noChangeAspect="1"/>
+          </p:cNvPicPr>
+          <p:nvPr/>
+        </p:nvPicPr>
+        <p:blipFill>
+          <a:blip r:embed="rId4"/>
+          <a:stretch>
+            <a:fillRect/>
+          </a:stretch>
+        </p:blipFill>
+        <p:spPr>
+          <a:xfrm>
+            <a:off x="9881313" y="21698"/>
+            <a:ext cx="2032939" cy="3126748"/>
+          </a:xfrm>
+          <a:prstGeom prst="rect">
+            <a:avLst/>
+          </a:prstGeom>
+        </p:spPr>
+      </p:pic>
+      <p:pic>
+        <p:nvPicPr>
+          <p:cNvPr id="7" name="Picture 6"/>
+          <p:cNvPicPr>
+            <a:picLocks noChangeAspect="1"/>
+          </p:cNvPicPr>
+          <p:nvPr/>
+        </p:nvPicPr>
+        <p:blipFill>
+          <a:blip r:embed="rId5"/>
+          <a:stretch>
+            <a:fillRect/>
+          </a:stretch>
+        </p:blipFill>
+        <p:spPr>
+          <a:xfrm>
+            <a:off x="184927" y="5497564"/>
+            <a:ext cx="6647296" cy="1223911"/>
+          </a:xfrm>
+          <a:prstGeom prst="rect">
+            <a:avLst/>
+          </a:prstGeom>
+        </p:spPr>
+      </p:pic>
+      <p:sp>
+        <p:nvSpPr>
+          <p:cNvPr id="8" name="Rectangle 7"/>
+          <p:cNvSpPr/>
+          <p:nvPr/>
+        </p:nvSpPr>
+        <p:spPr>
+          <a:xfrm>
+            <a:off x="184927" y="5100905"/>
+            <a:ext cx="3579378" cy="369332"/>
+          </a:xfrm>
+          <a:prstGeom prst="rect">
+            <a:avLst/>
+          </a:prstGeom>
+        </p:spPr>
+        <p:txBody>
+          <a:bodyPr wrap="none">
+            <a:spAutoFit/>
+          </a:bodyPr>
+          <a:lstStyle/>
+          <a:p>
+            <a:r>
+              <a:rPr lang="en-US" dirty="0"/>
+              <a:t>First Transaction: 2009, Jan 3, 50BTC</a:t>
+            </a:r>
+          </a:p>
+        </p:txBody>
+      </p:sp>
+      <p:sp>
+        <p:nvSpPr>
+          <p:cNvPr id="10" name="Slide Number Placeholder 9"/>
+          <p:cNvSpPr>
+            <a:spLocks noGrp="1"/>
+          </p:cNvSpPr>
+          <p:nvPr>
+            <p:ph type="sldNum" sz="quarter" idx="12"/>
+          </p:nvPr>
+        </p:nvSpPr>
+        <p:spPr/>
+        <p:txBody>
+          <a:bodyPr/>
+          <a:lstStyle/>
+          <a:p>
+            <a:fld id="{656EEF9C-D8EE-4444-AD18-FDA4DCDDF73B}" type="slidenum">
+              <a:rPr lang="en-US" smtClean="0"/>
+              <a:t>2</a:t>
+            </a:fld>
+            <a:endParaRPr lang="en-US"/>
+          </a:p>
+        </p:txBody>
+      </p:sp>
+    </p:spTree>
+    <p:extLst>
+      <p:ext uri="{BB962C8B-B14F-4D97-AF65-F5344CB8AC3E}">
+        <p14:creationId xmlns:p14="http://schemas.microsoft.com/office/powerpoint/2010/main" val="2057317512"/>
       </p:ext>
     </p:extLst>
   </p:cSld>
